--- a/PPT/20231213_aws.pptx
+++ b/PPT/20231213_aws.pptx
@@ -199,7 +199,8 @@
           <a:p>
             <a:fld id="{9F9AE45D-0DEF-451F-B8FE-52E59B07557D}" type="datetimeFigureOut">
               <a:rPr lang="ko-KR" altLang="en-US" smtClean="0"/>
-              <a:t>2023-12-13</a:t>
+              <a:pPr/>
+              <a:t>2023-12-14</a:t>
             </a:fld>
             <a:endParaRPr lang="ko-KR" altLang="en-US"/>
           </a:p>
@@ -360,6 +361,7 @@
           <a:p>
             <a:fld id="{03625573-DC93-4B1A-9553-2D33E2949568}" type="slidenum">
               <a:rPr lang="ko-KR" altLang="en-US" smtClean="0"/>
+              <a:pPr/>
               <a:t>‹#›</a:t>
             </a:fld>
             <a:endParaRPr lang="ko-KR" altLang="en-US"/>
@@ -531,6 +533,7 @@
           <a:p>
             <a:fld id="{03625573-DC93-4B1A-9553-2D33E2949568}" type="slidenum">
               <a:rPr lang="ko-KR" altLang="en-US" smtClean="0"/>
+              <a:pPr/>
               <a:t>4</a:t>
             </a:fld>
             <a:endParaRPr lang="ko-KR" altLang="en-US"/>
@@ -726,7 +729,8 @@
           <a:p>
             <a:fld id="{34E3FDF7-0A86-4FF5-BA9A-CE6B38C43595}" type="datetimeFigureOut">
               <a:rPr lang="ko-KR" altLang="en-US" smtClean="0"/>
-              <a:t>2023-12-13</a:t>
+              <a:pPr/>
+              <a:t>2023-12-14</a:t>
             </a:fld>
             <a:endParaRPr lang="ko-KR" altLang="en-US"/>
           </a:p>
@@ -768,6 +772,7 @@
           <a:p>
             <a:fld id="{9ABED89F-F65F-45F0-8472-92187AB87468}" type="slidenum">
               <a:rPr lang="ko-KR" altLang="en-US" smtClean="0"/>
+              <a:pPr/>
               <a:t>‹#›</a:t>
             </a:fld>
             <a:endParaRPr lang="ko-KR" altLang="en-US"/>
@@ -891,7 +896,8 @@
           <a:p>
             <a:fld id="{34E3FDF7-0A86-4FF5-BA9A-CE6B38C43595}" type="datetimeFigureOut">
               <a:rPr lang="ko-KR" altLang="en-US" smtClean="0"/>
-              <a:t>2023-12-13</a:t>
+              <a:pPr/>
+              <a:t>2023-12-14</a:t>
             </a:fld>
             <a:endParaRPr lang="ko-KR" altLang="en-US"/>
           </a:p>
@@ -933,6 +939,7 @@
           <a:p>
             <a:fld id="{9ABED89F-F65F-45F0-8472-92187AB87468}" type="slidenum">
               <a:rPr lang="ko-KR" altLang="en-US" smtClean="0"/>
+              <a:pPr/>
               <a:t>‹#›</a:t>
             </a:fld>
             <a:endParaRPr lang="ko-KR" altLang="en-US"/>
@@ -1066,7 +1073,8 @@
           <a:p>
             <a:fld id="{34E3FDF7-0A86-4FF5-BA9A-CE6B38C43595}" type="datetimeFigureOut">
               <a:rPr lang="ko-KR" altLang="en-US" smtClean="0"/>
-              <a:t>2023-12-13</a:t>
+              <a:pPr/>
+              <a:t>2023-12-14</a:t>
             </a:fld>
             <a:endParaRPr lang="ko-KR" altLang="en-US"/>
           </a:p>
@@ -1108,6 +1116,7 @@
           <a:p>
             <a:fld id="{9ABED89F-F65F-45F0-8472-92187AB87468}" type="slidenum">
               <a:rPr lang="ko-KR" altLang="en-US" smtClean="0"/>
+              <a:pPr/>
               <a:t>‹#›</a:t>
             </a:fld>
             <a:endParaRPr lang="ko-KR" altLang="en-US"/>
@@ -1231,7 +1240,8 @@
           <a:p>
             <a:fld id="{34E3FDF7-0A86-4FF5-BA9A-CE6B38C43595}" type="datetimeFigureOut">
               <a:rPr lang="ko-KR" altLang="en-US" smtClean="0"/>
-              <a:t>2023-12-13</a:t>
+              <a:pPr/>
+              <a:t>2023-12-14</a:t>
             </a:fld>
             <a:endParaRPr lang="ko-KR" altLang="en-US"/>
           </a:p>
@@ -1273,6 +1283,7 @@
           <a:p>
             <a:fld id="{9ABED89F-F65F-45F0-8472-92187AB87468}" type="slidenum">
               <a:rPr lang="ko-KR" altLang="en-US" smtClean="0"/>
+              <a:pPr/>
               <a:t>‹#›</a:t>
             </a:fld>
             <a:endParaRPr lang="ko-KR" altLang="en-US"/>
@@ -1472,7 +1483,8 @@
           <a:p>
             <a:fld id="{34E3FDF7-0A86-4FF5-BA9A-CE6B38C43595}" type="datetimeFigureOut">
               <a:rPr lang="ko-KR" altLang="en-US" smtClean="0"/>
-              <a:t>2023-12-13</a:t>
+              <a:pPr/>
+              <a:t>2023-12-14</a:t>
             </a:fld>
             <a:endParaRPr lang="ko-KR" altLang="en-US"/>
           </a:p>
@@ -1514,6 +1526,7 @@
           <a:p>
             <a:fld id="{9ABED89F-F65F-45F0-8472-92187AB87468}" type="slidenum">
               <a:rPr lang="ko-KR" altLang="en-US" smtClean="0"/>
+              <a:pPr/>
               <a:t>‹#›</a:t>
             </a:fld>
             <a:endParaRPr lang="ko-KR" altLang="en-US"/>
@@ -1755,7 +1768,8 @@
           <a:p>
             <a:fld id="{34E3FDF7-0A86-4FF5-BA9A-CE6B38C43595}" type="datetimeFigureOut">
               <a:rPr lang="ko-KR" altLang="en-US" smtClean="0"/>
-              <a:t>2023-12-13</a:t>
+              <a:pPr/>
+              <a:t>2023-12-14</a:t>
             </a:fld>
             <a:endParaRPr lang="ko-KR" altLang="en-US"/>
           </a:p>
@@ -1797,6 +1811,7 @@
           <a:p>
             <a:fld id="{9ABED89F-F65F-45F0-8472-92187AB87468}" type="slidenum">
               <a:rPr lang="ko-KR" altLang="en-US" smtClean="0"/>
+              <a:pPr/>
               <a:t>‹#›</a:t>
             </a:fld>
             <a:endParaRPr lang="ko-KR" altLang="en-US"/>
@@ -2172,7 +2187,8 @@
           <a:p>
             <a:fld id="{34E3FDF7-0A86-4FF5-BA9A-CE6B38C43595}" type="datetimeFigureOut">
               <a:rPr lang="ko-KR" altLang="en-US" smtClean="0"/>
-              <a:t>2023-12-13</a:t>
+              <a:pPr/>
+              <a:t>2023-12-14</a:t>
             </a:fld>
             <a:endParaRPr lang="ko-KR" altLang="en-US"/>
           </a:p>
@@ -2214,6 +2230,7 @@
           <a:p>
             <a:fld id="{9ABED89F-F65F-45F0-8472-92187AB87468}" type="slidenum">
               <a:rPr lang="ko-KR" altLang="en-US" smtClean="0"/>
+              <a:pPr/>
               <a:t>‹#›</a:t>
             </a:fld>
             <a:endParaRPr lang="ko-KR" altLang="en-US"/>
@@ -2285,7 +2302,8 @@
           <a:p>
             <a:fld id="{34E3FDF7-0A86-4FF5-BA9A-CE6B38C43595}" type="datetimeFigureOut">
               <a:rPr lang="ko-KR" altLang="en-US" smtClean="0"/>
-              <a:t>2023-12-13</a:t>
+              <a:pPr/>
+              <a:t>2023-12-14</a:t>
             </a:fld>
             <a:endParaRPr lang="ko-KR" altLang="en-US"/>
           </a:p>
@@ -2327,6 +2345,7 @@
           <a:p>
             <a:fld id="{9ABED89F-F65F-45F0-8472-92187AB87468}" type="slidenum">
               <a:rPr lang="ko-KR" altLang="en-US" smtClean="0"/>
+              <a:pPr/>
               <a:t>‹#›</a:t>
             </a:fld>
             <a:endParaRPr lang="ko-KR" altLang="en-US"/>
@@ -2375,7 +2394,8 @@
           <a:p>
             <a:fld id="{34E3FDF7-0A86-4FF5-BA9A-CE6B38C43595}" type="datetimeFigureOut">
               <a:rPr lang="ko-KR" altLang="en-US" smtClean="0"/>
-              <a:t>2023-12-13</a:t>
+              <a:pPr/>
+              <a:t>2023-12-14</a:t>
             </a:fld>
             <a:endParaRPr lang="ko-KR" altLang="en-US"/>
           </a:p>
@@ -2417,6 +2437,7 @@
           <a:p>
             <a:fld id="{9ABED89F-F65F-45F0-8472-92187AB87468}" type="slidenum">
               <a:rPr lang="ko-KR" altLang="en-US" smtClean="0"/>
+              <a:pPr/>
               <a:t>‹#›</a:t>
             </a:fld>
             <a:endParaRPr lang="ko-KR" altLang="en-US"/>
@@ -2647,7 +2668,8 @@
           <a:p>
             <a:fld id="{34E3FDF7-0A86-4FF5-BA9A-CE6B38C43595}" type="datetimeFigureOut">
               <a:rPr lang="ko-KR" altLang="en-US" smtClean="0"/>
-              <a:t>2023-12-13</a:t>
+              <a:pPr/>
+              <a:t>2023-12-14</a:t>
             </a:fld>
             <a:endParaRPr lang="ko-KR" altLang="en-US"/>
           </a:p>
@@ -2689,6 +2711,7 @@
           <a:p>
             <a:fld id="{9ABED89F-F65F-45F0-8472-92187AB87468}" type="slidenum">
               <a:rPr lang="ko-KR" altLang="en-US" smtClean="0"/>
+              <a:pPr/>
               <a:t>‹#›</a:t>
             </a:fld>
             <a:endParaRPr lang="ko-KR" altLang="en-US"/>
@@ -2895,7 +2918,8 @@
           <a:p>
             <a:fld id="{34E3FDF7-0A86-4FF5-BA9A-CE6B38C43595}" type="datetimeFigureOut">
               <a:rPr lang="ko-KR" altLang="en-US" smtClean="0"/>
-              <a:t>2023-12-13</a:t>
+              <a:pPr/>
+              <a:t>2023-12-14</a:t>
             </a:fld>
             <a:endParaRPr lang="ko-KR" altLang="en-US"/>
           </a:p>
@@ -2937,6 +2961,7 @@
           <a:p>
             <a:fld id="{9ABED89F-F65F-45F0-8472-92187AB87468}" type="slidenum">
               <a:rPr lang="ko-KR" altLang="en-US" smtClean="0"/>
+              <a:pPr/>
               <a:t>‹#›</a:t>
             </a:fld>
             <a:endParaRPr lang="ko-KR" altLang="en-US"/>
@@ -3103,7 +3128,8 @@
           <a:p>
             <a:fld id="{34E3FDF7-0A86-4FF5-BA9A-CE6B38C43595}" type="datetimeFigureOut">
               <a:rPr lang="ko-KR" altLang="en-US" smtClean="0"/>
-              <a:t>2023-12-13</a:t>
+              <a:pPr/>
+              <a:t>2023-12-14</a:t>
             </a:fld>
             <a:endParaRPr lang="ko-KR" altLang="en-US"/>
           </a:p>
@@ -3181,6 +3207,7 @@
           <a:p>
             <a:fld id="{9ABED89F-F65F-45F0-8472-92187AB87468}" type="slidenum">
               <a:rPr lang="ko-KR" altLang="en-US" smtClean="0"/>
+              <a:pPr/>
               <a:t>‹#›</a:t>
             </a:fld>
             <a:endParaRPr lang="ko-KR" altLang="en-US"/>
@@ -3511,15 +3538,15 @@
               <a:t>  -</a:t>
             </a:r>
             <a:r>
-              <a:rPr lang="en-US" altLang="ko-KR" sz="1600" dirty="0" err="1" smtClean="0"/>
+              <a:rPr lang="en-US" altLang="ko-KR" sz="1600" b="1" dirty="0" err="1" smtClean="0"/>
               <a:t>debian</a:t>
             </a:r>
             <a:r>
-              <a:rPr lang="en-US" altLang="ko-KR" sz="1600" dirty="0" smtClean="0"/>
+              <a:rPr lang="en-US" altLang="ko-KR" sz="1600" b="1" dirty="0" smtClean="0"/>
               <a:t> </a:t>
             </a:r>
             <a:r>
-              <a:rPr lang="ko-KR" altLang="en-US" sz="1600" dirty="0" smtClean="0"/>
+              <a:rPr lang="ko-KR" altLang="en-US" sz="1600" b="1" dirty="0" smtClean="0"/>
               <a:t>계열 </a:t>
             </a:r>
             <a:r>
@@ -3532,10 +3559,14 @@
             </a:r>
             <a:r>
               <a:rPr lang="en-US" altLang="ko-KR" sz="1600" dirty="0" smtClean="0"/>
-              <a:t>, red hat </a:t>
-            </a:r>
-            <a:r>
-              <a:rPr lang="ko-KR" altLang="en-US" sz="1600" dirty="0" smtClean="0"/>
+              <a:t>, </a:t>
+            </a:r>
+            <a:r>
+              <a:rPr lang="en-US" altLang="ko-KR" sz="1600" b="1" dirty="0" smtClean="0"/>
+              <a:t>red hat </a:t>
+            </a:r>
+            <a:r>
+              <a:rPr lang="ko-KR" altLang="en-US" sz="1600" b="1" dirty="0" smtClean="0"/>
               <a:t>계열 </a:t>
             </a:r>
             <a:r>
@@ -4051,6 +4082,89 @@
               <a:t>.</a:t>
             </a:r>
             <a:endParaRPr lang="ko-KR" altLang="en-US" sz="1200" dirty="0"/>
+          </a:p>
+        </p:txBody>
+      </p:sp>
+      <p:pic>
+        <p:nvPicPr>
+          <p:cNvPr id="1026" name="Picture 2"/>
+          <p:cNvPicPr>
+            <a:picLocks noChangeAspect="1" noChangeArrowheads="1"/>
+          </p:cNvPicPr>
+          <p:nvPr/>
+        </p:nvPicPr>
+        <p:blipFill>
+          <a:blip r:embed="rId2"/>
+          <a:srcRect/>
+          <a:stretch>
+            <a:fillRect/>
+          </a:stretch>
+        </p:blipFill>
+        <p:spPr bwMode="auto">
+          <a:xfrm>
+            <a:off x="428596" y="5643578"/>
+            <a:ext cx="4643437" cy="900112"/>
+          </a:xfrm>
+          <a:prstGeom prst="rect">
+            <a:avLst/>
+          </a:prstGeom>
+          <a:noFill/>
+          <a:ln w="9525">
+            <a:noFill/>
+            <a:miter lim="800000"/>
+            <a:headEnd/>
+            <a:tailEnd/>
+          </a:ln>
+          <a:effectLst/>
+        </p:spPr>
+      </p:pic>
+      <p:sp>
+        <p:nvSpPr>
+          <p:cNvPr id="16" name="TextBox 15"/>
+          <p:cNvSpPr txBox="1"/>
+          <p:nvPr/>
+        </p:nvSpPr>
+        <p:spPr>
+          <a:xfrm>
+            <a:off x="357158" y="5357826"/>
+            <a:ext cx="7698711" cy="307777"/>
+          </a:xfrm>
+          <a:prstGeom prst="rect">
+            <a:avLst/>
+          </a:prstGeom>
+          <a:noFill/>
+        </p:spPr>
+        <p:txBody>
+          <a:bodyPr wrap="none" rtlCol="0">
+            <a:spAutoFit/>
+          </a:bodyPr>
+          <a:lstStyle/>
+          <a:p>
+            <a:r>
+              <a:rPr lang="en-US" altLang="ko-KR" sz="1400" dirty="0" smtClean="0"/>
+              <a:t>*apt-get update </a:t>
+            </a:r>
+            <a:r>
+              <a:rPr lang="ko-KR" altLang="en-US" sz="1400" dirty="0" smtClean="0"/>
+              <a:t>를 하지 않으면 최신프로그램이 보이지 않는다</a:t>
+            </a:r>
+            <a:r>
+              <a:rPr lang="en-US" altLang="ko-KR" sz="1400" dirty="0" smtClean="0"/>
+              <a:t>. =&gt; update</a:t>
+            </a:r>
+            <a:r>
+              <a:rPr lang="ko-KR" altLang="en-US" sz="1400" dirty="0" smtClean="0"/>
+              <a:t>와 </a:t>
+            </a:r>
+            <a:r>
+              <a:rPr lang="en-US" altLang="ko-KR" sz="1400" dirty="0" smtClean="0"/>
+              <a:t>upgrade</a:t>
+            </a:r>
+            <a:r>
+              <a:rPr lang="ko-KR" altLang="en-US" sz="1400" dirty="0" smtClean="0"/>
+              <a:t>할 것</a:t>
+            </a:r>
+            <a:endParaRPr lang="ko-KR" altLang="en-US" sz="1400" dirty="0"/>
           </a:p>
         </p:txBody>
       </p:sp>
@@ -4503,14 +4617,14 @@
           <a:lstStyle/>
           <a:p>
             <a:r>
-              <a:rPr lang="en-US" altLang="ko-KR" dirty="0" smtClean="0"/>
+              <a:rPr lang="en-US" altLang="ko-KR" b="1" dirty="0" smtClean="0"/>
               <a:t>*</a:t>
             </a:r>
             <a:r>
-              <a:rPr lang="ko-KR" altLang="en-US" dirty="0" smtClean="0"/>
+              <a:rPr lang="ko-KR" altLang="en-US" b="1" dirty="0" smtClean="0"/>
               <a:t>설치</a:t>
             </a:r>
-            <a:endParaRPr lang="en-US" altLang="ko-KR" dirty="0" smtClean="0"/>
+            <a:endParaRPr lang="en-US" altLang="ko-KR" b="1" dirty="0" smtClean="0"/>
           </a:p>
           <a:p>
             <a:r>
@@ -4523,7 +4637,15 @@
             </a:r>
             <a:r>
               <a:rPr lang="en-US" altLang="ko-KR" sz="1600" dirty="0" smtClean="0"/>
-              <a:t> apt-get install </a:t>
+              <a:t> apt-get </a:t>
+            </a:r>
+            <a:r>
+              <a:rPr lang="en-US" altLang="ko-KR" sz="1600" b="1" dirty="0" smtClean="0"/>
+              <a:t>install</a:t>
+            </a:r>
+            <a:r>
+              <a:rPr lang="en-US" altLang="ko-KR" sz="1600" dirty="0" smtClean="0"/>
+              <a:t> </a:t>
             </a:r>
             <a:r>
               <a:rPr lang="ko-KR" altLang="en-US" sz="1600" dirty="0" err="1" smtClean="0"/>
@@ -4539,18 +4661,18 @@
           </a:p>
           <a:p>
             <a:r>
-              <a:rPr lang="en-US" altLang="ko-KR" dirty="0" smtClean="0"/>
+              <a:rPr lang="en-US" altLang="ko-KR" b="1" dirty="0" smtClean="0"/>
               <a:t>*</a:t>
             </a:r>
             <a:r>
-              <a:rPr lang="ko-KR" altLang="en-US" dirty="0" smtClean="0"/>
+              <a:rPr lang="ko-KR" altLang="en-US" b="1" dirty="0" smtClean="0"/>
               <a:t>재설</a:t>
             </a:r>
             <a:r>
-              <a:rPr lang="ko-KR" altLang="en-US" dirty="0"/>
+              <a:rPr lang="ko-KR" altLang="en-US" b="1" dirty="0"/>
               <a:t>치</a:t>
             </a:r>
-            <a:endParaRPr lang="en-US" altLang="ko-KR" dirty="0" smtClean="0"/>
+            <a:endParaRPr lang="en-US" altLang="ko-KR" b="1" dirty="0" smtClean="0"/>
           </a:p>
           <a:p>
             <a:r>
@@ -4563,7 +4685,15 @@
             </a:r>
             <a:r>
               <a:rPr lang="en-US" altLang="ko-KR" sz="1600" dirty="0" smtClean="0"/>
-              <a:t> apt-get reinstall </a:t>
+              <a:t> apt-get </a:t>
+            </a:r>
+            <a:r>
+              <a:rPr lang="en-US" altLang="ko-KR" sz="1600" b="1" dirty="0" smtClean="0"/>
+              <a:t>reinstall</a:t>
+            </a:r>
+            <a:r>
+              <a:rPr lang="en-US" altLang="ko-KR" sz="1600" dirty="0" smtClean="0"/>
+              <a:t> </a:t>
             </a:r>
             <a:r>
               <a:rPr lang="ko-KR" altLang="en-US" sz="1600" dirty="0" err="1" smtClean="0"/>
@@ -4579,14 +4709,14 @@
           </a:p>
           <a:p>
             <a:r>
-              <a:rPr lang="en-US" altLang="ko-KR" dirty="0" smtClean="0"/>
+              <a:rPr lang="en-US" altLang="ko-KR" b="1" dirty="0" smtClean="0"/>
               <a:t>*</a:t>
             </a:r>
             <a:r>
-              <a:rPr lang="ko-KR" altLang="en-US" dirty="0" smtClean="0"/>
+              <a:rPr lang="ko-KR" altLang="en-US" b="1" dirty="0" smtClean="0"/>
               <a:t>제거</a:t>
             </a:r>
-            <a:endParaRPr lang="en-US" altLang="ko-KR" dirty="0" smtClean="0"/>
+            <a:endParaRPr lang="en-US" altLang="ko-KR" b="1" dirty="0" smtClean="0"/>
           </a:p>
           <a:p>
             <a:r>
@@ -4599,7 +4729,15 @@
             </a:r>
             <a:r>
               <a:rPr lang="en-US" altLang="ko-KR" sz="1600" dirty="0" smtClean="0"/>
-              <a:t> apt-get remove </a:t>
+              <a:t> apt-get </a:t>
+            </a:r>
+            <a:r>
+              <a:rPr lang="en-US" altLang="ko-KR" sz="1600" b="1" dirty="0" smtClean="0"/>
+              <a:t>remove</a:t>
+            </a:r>
+            <a:r>
+              <a:rPr lang="en-US" altLang="ko-KR" sz="1600" dirty="0" smtClean="0"/>
+              <a:t> </a:t>
             </a:r>
             <a:r>
               <a:rPr lang="ko-KR" altLang="en-US" sz="1600" dirty="0" err="1" smtClean="0"/>
@@ -8387,7 +8525,7 @@
             </a:r>
             <a:r>
               <a:rPr lang="en-US" altLang="ko-KR" sz="1600" dirty="0" smtClean="0"/>
-              <a:t>:  </a:t>
+              <a:t>: </a:t>
             </a:r>
             <a:r>
               <a:rPr lang="ko-KR" altLang="en-US" sz="1600" dirty="0" smtClean="0"/>
@@ -8461,6 +8599,382 @@
               <a:t>bashrc</a:t>
             </a:r>
             <a:endParaRPr lang="ko-KR" altLang="en-US" sz="1600" dirty="0"/>
+          </a:p>
+        </p:txBody>
+      </p:sp>
+      <p:sp>
+        <p:nvSpPr>
+          <p:cNvPr id="15" name="직사각형 14"/>
+          <p:cNvSpPr/>
+          <p:nvPr/>
+        </p:nvSpPr>
+        <p:spPr>
+          <a:xfrm>
+            <a:off x="357158" y="6000768"/>
+            <a:ext cx="1857388" cy="142876"/>
+          </a:xfrm>
+          <a:prstGeom prst="rect">
+            <a:avLst/>
+          </a:prstGeom>
+        </p:spPr>
+        <p:style>
+          <a:lnRef idx="2">
+            <a:schemeClr val="accent1">
+              <a:shade val="50000"/>
+            </a:schemeClr>
+          </a:lnRef>
+          <a:fillRef idx="1">
+            <a:schemeClr val="accent1"/>
+          </a:fillRef>
+          <a:effectRef idx="0">
+            <a:schemeClr val="accent1"/>
+          </a:effectRef>
+          <a:fontRef idx="minor">
+            <a:schemeClr val="lt1"/>
+          </a:fontRef>
+        </p:style>
+        <p:txBody>
+          <a:bodyPr rtlCol="0" anchor="ctr"/>
+          <a:lstStyle/>
+          <a:p>
+            <a:pPr algn="ctr"/>
+            <a:endParaRPr lang="ko-KR" altLang="en-US"/>
+          </a:p>
+        </p:txBody>
+      </p:sp>
+      <p:pic>
+        <p:nvPicPr>
+          <p:cNvPr id="2050" name="Picture 2"/>
+          <p:cNvPicPr>
+            <a:picLocks noChangeAspect="1" noChangeArrowheads="1"/>
+          </p:cNvPicPr>
+          <p:nvPr/>
+        </p:nvPicPr>
+        <p:blipFill>
+          <a:blip r:embed="rId6"/>
+          <a:srcRect/>
+          <a:stretch>
+            <a:fillRect/>
+          </a:stretch>
+        </p:blipFill>
+        <p:spPr bwMode="auto">
+          <a:xfrm>
+            <a:off x="7286644" y="4214818"/>
+            <a:ext cx="1785950" cy="842060"/>
+          </a:xfrm>
+          <a:prstGeom prst="rect">
+            <a:avLst/>
+          </a:prstGeom>
+          <a:noFill/>
+          <a:ln w="9525">
+            <a:noFill/>
+            <a:miter lim="800000"/>
+            <a:headEnd/>
+            <a:tailEnd/>
+          </a:ln>
+          <a:effectLst/>
+        </p:spPr>
+      </p:pic>
+      <p:sp>
+        <p:nvSpPr>
+          <p:cNvPr id="19" name="자유형 18"/>
+          <p:cNvSpPr/>
+          <p:nvPr/>
+        </p:nvSpPr>
+        <p:spPr>
+          <a:xfrm>
+            <a:off x="7529513" y="4739138"/>
+            <a:ext cx="709612" cy="715739"/>
+          </a:xfrm>
+          <a:custGeom>
+            <a:avLst/>
+            <a:gdLst>
+              <a:gd name="connsiteX0" fmla="*/ 0 w 709612"/>
+              <a:gd name="connsiteY0" fmla="*/ 671062 h 715739"/>
+              <a:gd name="connsiteX1" fmla="*/ 38100 w 709612"/>
+              <a:gd name="connsiteY1" fmla="*/ 690112 h 715739"/>
+              <a:gd name="connsiteX2" fmla="*/ 61912 w 709612"/>
+              <a:gd name="connsiteY2" fmla="*/ 699637 h 715739"/>
+              <a:gd name="connsiteX3" fmla="*/ 85725 w 709612"/>
+              <a:gd name="connsiteY3" fmla="*/ 704400 h 715739"/>
+              <a:gd name="connsiteX4" fmla="*/ 195262 w 709612"/>
+              <a:gd name="connsiteY4" fmla="*/ 713925 h 715739"/>
+              <a:gd name="connsiteX5" fmla="*/ 381000 w 709612"/>
+              <a:gd name="connsiteY5" fmla="*/ 704400 h 715739"/>
+              <a:gd name="connsiteX6" fmla="*/ 409575 w 709612"/>
+              <a:gd name="connsiteY6" fmla="*/ 652012 h 715739"/>
+              <a:gd name="connsiteX7" fmla="*/ 419100 w 709612"/>
+              <a:gd name="connsiteY7" fmla="*/ 632962 h 715739"/>
+              <a:gd name="connsiteX8" fmla="*/ 423862 w 709612"/>
+              <a:gd name="connsiteY8" fmla="*/ 613912 h 715739"/>
+              <a:gd name="connsiteX9" fmla="*/ 438150 w 709612"/>
+              <a:gd name="connsiteY9" fmla="*/ 571050 h 715739"/>
+              <a:gd name="connsiteX10" fmla="*/ 452437 w 709612"/>
+              <a:gd name="connsiteY10" fmla="*/ 523425 h 715739"/>
+              <a:gd name="connsiteX11" fmla="*/ 457200 w 709612"/>
+              <a:gd name="connsiteY11" fmla="*/ 499612 h 715739"/>
+              <a:gd name="connsiteX12" fmla="*/ 461962 w 709612"/>
+              <a:gd name="connsiteY12" fmla="*/ 480562 h 715739"/>
+              <a:gd name="connsiteX13" fmla="*/ 476250 w 709612"/>
+              <a:gd name="connsiteY13" fmla="*/ 437700 h 715739"/>
+              <a:gd name="connsiteX14" fmla="*/ 481012 w 709612"/>
+              <a:gd name="connsiteY14" fmla="*/ 390075 h 715739"/>
+              <a:gd name="connsiteX15" fmla="*/ 495300 w 709612"/>
+              <a:gd name="connsiteY15" fmla="*/ 332925 h 715739"/>
+              <a:gd name="connsiteX16" fmla="*/ 500062 w 709612"/>
+              <a:gd name="connsiteY16" fmla="*/ 199575 h 715739"/>
+              <a:gd name="connsiteX17" fmla="*/ 504825 w 709612"/>
+              <a:gd name="connsiteY17" fmla="*/ 180525 h 715739"/>
+              <a:gd name="connsiteX18" fmla="*/ 514350 w 709612"/>
+              <a:gd name="connsiteY18" fmla="*/ 113850 h 715739"/>
+              <a:gd name="connsiteX19" fmla="*/ 523875 w 709612"/>
+              <a:gd name="connsiteY19" fmla="*/ 90037 h 715739"/>
+              <a:gd name="connsiteX20" fmla="*/ 533400 w 709612"/>
+              <a:gd name="connsiteY20" fmla="*/ 61462 h 715739"/>
+              <a:gd name="connsiteX21" fmla="*/ 542925 w 709612"/>
+              <a:gd name="connsiteY21" fmla="*/ 32887 h 715739"/>
+              <a:gd name="connsiteX22" fmla="*/ 552450 w 709612"/>
+              <a:gd name="connsiteY22" fmla="*/ 18600 h 715739"/>
+              <a:gd name="connsiteX23" fmla="*/ 566737 w 709612"/>
+              <a:gd name="connsiteY23" fmla="*/ 4312 h 715739"/>
+              <a:gd name="connsiteX24" fmla="*/ 709612 w 709612"/>
+              <a:gd name="connsiteY24" fmla="*/ 4312 h 715739"/>
+            </a:gdLst>
+            <a:ahLst/>
+            <a:cxnLst>
+              <a:cxn ang="0">
+                <a:pos x="connsiteX0" y="connsiteY0"/>
+              </a:cxn>
+              <a:cxn ang="0">
+                <a:pos x="connsiteX1" y="connsiteY1"/>
+              </a:cxn>
+              <a:cxn ang="0">
+                <a:pos x="connsiteX2" y="connsiteY2"/>
+              </a:cxn>
+              <a:cxn ang="0">
+                <a:pos x="connsiteX3" y="connsiteY3"/>
+              </a:cxn>
+              <a:cxn ang="0">
+                <a:pos x="connsiteX4" y="connsiteY4"/>
+              </a:cxn>
+              <a:cxn ang="0">
+                <a:pos x="connsiteX5" y="connsiteY5"/>
+              </a:cxn>
+              <a:cxn ang="0">
+                <a:pos x="connsiteX6" y="connsiteY6"/>
+              </a:cxn>
+              <a:cxn ang="0">
+                <a:pos x="connsiteX7" y="connsiteY7"/>
+              </a:cxn>
+              <a:cxn ang="0">
+                <a:pos x="connsiteX8" y="connsiteY8"/>
+              </a:cxn>
+              <a:cxn ang="0">
+                <a:pos x="connsiteX9" y="connsiteY9"/>
+              </a:cxn>
+              <a:cxn ang="0">
+                <a:pos x="connsiteX10" y="connsiteY10"/>
+              </a:cxn>
+              <a:cxn ang="0">
+                <a:pos x="connsiteX11" y="connsiteY11"/>
+              </a:cxn>
+              <a:cxn ang="0">
+                <a:pos x="connsiteX12" y="connsiteY12"/>
+              </a:cxn>
+              <a:cxn ang="0">
+                <a:pos x="connsiteX13" y="connsiteY13"/>
+              </a:cxn>
+              <a:cxn ang="0">
+                <a:pos x="connsiteX14" y="connsiteY14"/>
+              </a:cxn>
+              <a:cxn ang="0">
+                <a:pos x="connsiteX15" y="connsiteY15"/>
+              </a:cxn>
+              <a:cxn ang="0">
+                <a:pos x="connsiteX16" y="connsiteY16"/>
+              </a:cxn>
+              <a:cxn ang="0">
+                <a:pos x="connsiteX17" y="connsiteY17"/>
+              </a:cxn>
+              <a:cxn ang="0">
+                <a:pos x="connsiteX18" y="connsiteY18"/>
+              </a:cxn>
+              <a:cxn ang="0">
+                <a:pos x="connsiteX19" y="connsiteY19"/>
+              </a:cxn>
+              <a:cxn ang="0">
+                <a:pos x="connsiteX20" y="connsiteY20"/>
+              </a:cxn>
+              <a:cxn ang="0">
+                <a:pos x="connsiteX21" y="connsiteY21"/>
+              </a:cxn>
+              <a:cxn ang="0">
+                <a:pos x="connsiteX22" y="connsiteY22"/>
+              </a:cxn>
+              <a:cxn ang="0">
+                <a:pos x="connsiteX23" y="connsiteY23"/>
+              </a:cxn>
+              <a:cxn ang="0">
+                <a:pos x="connsiteX24" y="connsiteY24"/>
+              </a:cxn>
+            </a:cxnLst>
+            <a:rect l="l" t="t" r="r" b="b"/>
+            <a:pathLst>
+              <a:path w="709612" h="715739">
+                <a:moveTo>
+                  <a:pt x="0" y="671062"/>
+                </a:moveTo>
+                <a:cubicBezTo>
+                  <a:pt x="23626" y="694690"/>
+                  <a:pt x="3337" y="679683"/>
+                  <a:pt x="38100" y="690112"/>
+                </a:cubicBezTo>
+                <a:cubicBezTo>
+                  <a:pt x="46288" y="692568"/>
+                  <a:pt x="53724" y="697180"/>
+                  <a:pt x="61912" y="699637"/>
+                </a:cubicBezTo>
+                <a:cubicBezTo>
+                  <a:pt x="69665" y="701963"/>
+                  <a:pt x="77724" y="703169"/>
+                  <a:pt x="85725" y="704400"/>
+                </a:cubicBezTo>
+                <a:cubicBezTo>
+                  <a:pt x="127053" y="710758"/>
+                  <a:pt x="149191" y="710853"/>
+                  <a:pt x="195262" y="713925"/>
+                </a:cubicBezTo>
+                <a:cubicBezTo>
+                  <a:pt x="257175" y="710750"/>
+                  <a:pt x="320052" y="715739"/>
+                  <a:pt x="381000" y="704400"/>
+                </a:cubicBezTo>
+                <a:cubicBezTo>
+                  <a:pt x="391880" y="702376"/>
+                  <a:pt x="405441" y="661314"/>
+                  <a:pt x="409575" y="652012"/>
+                </a:cubicBezTo>
+                <a:cubicBezTo>
+                  <a:pt x="412458" y="645524"/>
+                  <a:pt x="415925" y="639312"/>
+                  <a:pt x="419100" y="632962"/>
+                </a:cubicBezTo>
+                <a:cubicBezTo>
+                  <a:pt x="420687" y="626612"/>
+                  <a:pt x="421937" y="620168"/>
+                  <a:pt x="423862" y="613912"/>
+                </a:cubicBezTo>
+                <a:cubicBezTo>
+                  <a:pt x="428291" y="599518"/>
+                  <a:pt x="438150" y="571050"/>
+                  <a:pt x="438150" y="571050"/>
+                </a:cubicBezTo>
+                <a:cubicBezTo>
+                  <a:pt x="450353" y="497821"/>
+                  <a:pt x="433980" y="578793"/>
+                  <a:pt x="452437" y="523425"/>
+                </a:cubicBezTo>
+                <a:cubicBezTo>
+                  <a:pt x="454997" y="515746"/>
+                  <a:pt x="455444" y="507514"/>
+                  <a:pt x="457200" y="499612"/>
+                </a:cubicBezTo>
+                <a:cubicBezTo>
+                  <a:pt x="458620" y="493222"/>
+                  <a:pt x="460037" y="486818"/>
+                  <a:pt x="461962" y="480562"/>
+                </a:cubicBezTo>
+                <a:cubicBezTo>
+                  <a:pt x="466391" y="466168"/>
+                  <a:pt x="476250" y="437700"/>
+                  <a:pt x="476250" y="437700"/>
+                </a:cubicBezTo>
+                <a:cubicBezTo>
+                  <a:pt x="477837" y="421825"/>
+                  <a:pt x="478158" y="405772"/>
+                  <a:pt x="481012" y="390075"/>
+                </a:cubicBezTo>
+                <a:cubicBezTo>
+                  <a:pt x="484525" y="370755"/>
+                  <a:pt x="495300" y="332925"/>
+                  <a:pt x="495300" y="332925"/>
+                </a:cubicBezTo>
+                <a:cubicBezTo>
+                  <a:pt x="496887" y="288475"/>
+                  <a:pt x="497288" y="243967"/>
+                  <a:pt x="500062" y="199575"/>
+                </a:cubicBezTo>
+                <a:cubicBezTo>
+                  <a:pt x="500470" y="193042"/>
+                  <a:pt x="503749" y="186981"/>
+                  <a:pt x="504825" y="180525"/>
+                </a:cubicBezTo>
+                <a:cubicBezTo>
+                  <a:pt x="506795" y="168704"/>
+                  <a:pt x="510493" y="127993"/>
+                  <a:pt x="514350" y="113850"/>
+                </a:cubicBezTo>
+                <a:cubicBezTo>
+                  <a:pt x="516599" y="105602"/>
+                  <a:pt x="520953" y="98071"/>
+                  <a:pt x="523875" y="90037"/>
+                </a:cubicBezTo>
+                <a:cubicBezTo>
+                  <a:pt x="527306" y="80601"/>
+                  <a:pt x="530225" y="70987"/>
+                  <a:pt x="533400" y="61462"/>
+                </a:cubicBezTo>
+                <a:cubicBezTo>
+                  <a:pt x="533401" y="61458"/>
+                  <a:pt x="542923" y="32890"/>
+                  <a:pt x="542925" y="32887"/>
+                </a:cubicBezTo>
+                <a:cubicBezTo>
+                  <a:pt x="546100" y="28125"/>
+                  <a:pt x="548786" y="22997"/>
+                  <a:pt x="552450" y="18600"/>
+                </a:cubicBezTo>
+                <a:cubicBezTo>
+                  <a:pt x="556762" y="13426"/>
+                  <a:pt x="560029" y="4922"/>
+                  <a:pt x="566737" y="4312"/>
+                </a:cubicBezTo>
+                <a:cubicBezTo>
+                  <a:pt x="614166" y="0"/>
+                  <a:pt x="661987" y="4312"/>
+                  <a:pt x="709612" y="4312"/>
+                </a:cubicBezTo>
+              </a:path>
+            </a:pathLst>
+          </a:custGeom>
+          <a:ln>
+            <a:solidFill>
+              <a:srgbClr val="FF0000"/>
+            </a:solidFill>
+            <a:prstDash val="sysDash"/>
+            <a:tailEnd type="triangle"/>
+          </a:ln>
+        </p:spPr>
+        <p:style>
+          <a:lnRef idx="1">
+            <a:schemeClr val="accent1"/>
+          </a:lnRef>
+          <a:fillRef idx="0">
+            <a:schemeClr val="accent1"/>
+          </a:fillRef>
+          <a:effectRef idx="0">
+            <a:schemeClr val="accent1"/>
+          </a:effectRef>
+          <a:fontRef idx="minor">
+            <a:schemeClr val="tx1"/>
+          </a:fontRef>
+        </p:style>
+        <p:txBody>
+          <a:bodyPr rtlCol="0" anchor="ctr"/>
+          <a:lstStyle/>
+          <a:p>
+            <a:pPr algn="ctr"/>
+            <a:endParaRPr lang="ko-KR" altLang="en-US"/>
           </a:p>
         </p:txBody>
       </p:sp>
@@ -8535,7 +9049,15 @@
           <a:p>
             <a:r>
               <a:rPr lang="en-US" altLang="ko-KR" sz="1600" dirty="0" smtClean="0"/>
-              <a:t>  echo $PATH </a:t>
+              <a:t>  echo </a:t>
+            </a:r>
+            <a:r>
+              <a:rPr lang="en-US" altLang="ko-KR" sz="1600" b="1" dirty="0" smtClean="0"/>
+              <a:t>$PATH</a:t>
+            </a:r>
+            <a:r>
+              <a:rPr lang="en-US" altLang="ko-KR" sz="1600" dirty="0" smtClean="0"/>
+              <a:t> </a:t>
             </a:r>
           </a:p>
           <a:p>
@@ -9116,7 +9638,7 @@
         </p:nvSpPr>
         <p:spPr>
           <a:xfrm>
-            <a:off x="4500562" y="3714752"/>
+            <a:off x="3929058" y="3714752"/>
             <a:ext cx="285752" cy="142876"/>
           </a:xfrm>
           <a:prstGeom prst="irregularSeal2">
@@ -9214,6 +9736,726 @@
           <a:effectLst/>
         </p:spPr>
       </p:pic>
+      <p:sp>
+        <p:nvSpPr>
+          <p:cNvPr id="10" name="자유형 9"/>
+          <p:cNvSpPr/>
+          <p:nvPr/>
+        </p:nvSpPr>
+        <p:spPr>
+          <a:xfrm>
+            <a:off x="1452563" y="2486025"/>
+            <a:ext cx="2490787" cy="1328738"/>
+          </a:xfrm>
+          <a:custGeom>
+            <a:avLst/>
+            <a:gdLst>
+              <a:gd name="connsiteX0" fmla="*/ 2490787 w 2490787"/>
+              <a:gd name="connsiteY0" fmla="*/ 1328738 h 1328738"/>
+              <a:gd name="connsiteX1" fmla="*/ 2481262 w 2490787"/>
+              <a:gd name="connsiteY1" fmla="*/ 1290638 h 1328738"/>
+              <a:gd name="connsiteX2" fmla="*/ 2419350 w 2490787"/>
+              <a:gd name="connsiteY2" fmla="*/ 1228725 h 1328738"/>
+              <a:gd name="connsiteX3" fmla="*/ 2390775 w 2490787"/>
+              <a:gd name="connsiteY3" fmla="*/ 1195388 h 1328738"/>
+              <a:gd name="connsiteX4" fmla="*/ 2271712 w 2490787"/>
+              <a:gd name="connsiteY4" fmla="*/ 1100138 h 1328738"/>
+              <a:gd name="connsiteX5" fmla="*/ 2181225 w 2490787"/>
+              <a:gd name="connsiteY5" fmla="*/ 1062038 h 1328738"/>
+              <a:gd name="connsiteX6" fmla="*/ 2133600 w 2490787"/>
+              <a:gd name="connsiteY6" fmla="*/ 1038225 h 1328738"/>
+              <a:gd name="connsiteX7" fmla="*/ 2043112 w 2490787"/>
+              <a:gd name="connsiteY7" fmla="*/ 1014413 h 1328738"/>
+              <a:gd name="connsiteX8" fmla="*/ 2000250 w 2490787"/>
+              <a:gd name="connsiteY8" fmla="*/ 1000125 h 1328738"/>
+              <a:gd name="connsiteX9" fmla="*/ 1924050 w 2490787"/>
+              <a:gd name="connsiteY9" fmla="*/ 985838 h 1328738"/>
+              <a:gd name="connsiteX10" fmla="*/ 1790700 w 2490787"/>
+              <a:gd name="connsiteY10" fmla="*/ 966788 h 1328738"/>
+              <a:gd name="connsiteX11" fmla="*/ 1752600 w 2490787"/>
+              <a:gd name="connsiteY11" fmla="*/ 962025 h 1328738"/>
+              <a:gd name="connsiteX12" fmla="*/ 1704975 w 2490787"/>
+              <a:gd name="connsiteY12" fmla="*/ 952500 h 1328738"/>
+              <a:gd name="connsiteX13" fmla="*/ 1657350 w 2490787"/>
+              <a:gd name="connsiteY13" fmla="*/ 947738 h 1328738"/>
+              <a:gd name="connsiteX14" fmla="*/ 1495425 w 2490787"/>
+              <a:gd name="connsiteY14" fmla="*/ 919163 h 1328738"/>
+              <a:gd name="connsiteX15" fmla="*/ 1385887 w 2490787"/>
+              <a:gd name="connsiteY15" fmla="*/ 909638 h 1328738"/>
+              <a:gd name="connsiteX16" fmla="*/ 1343025 w 2490787"/>
+              <a:gd name="connsiteY16" fmla="*/ 900113 h 1328738"/>
+              <a:gd name="connsiteX17" fmla="*/ 1295400 w 2490787"/>
+              <a:gd name="connsiteY17" fmla="*/ 895350 h 1328738"/>
+              <a:gd name="connsiteX18" fmla="*/ 1209675 w 2490787"/>
+              <a:gd name="connsiteY18" fmla="*/ 885825 h 1328738"/>
+              <a:gd name="connsiteX19" fmla="*/ 1176337 w 2490787"/>
+              <a:gd name="connsiteY19" fmla="*/ 876300 h 1328738"/>
+              <a:gd name="connsiteX20" fmla="*/ 1138237 w 2490787"/>
+              <a:gd name="connsiteY20" fmla="*/ 871538 h 1328738"/>
+              <a:gd name="connsiteX21" fmla="*/ 1076325 w 2490787"/>
+              <a:gd name="connsiteY21" fmla="*/ 862013 h 1328738"/>
+              <a:gd name="connsiteX22" fmla="*/ 1042987 w 2490787"/>
+              <a:gd name="connsiteY22" fmla="*/ 852488 h 1328738"/>
+              <a:gd name="connsiteX23" fmla="*/ 1000125 w 2490787"/>
+              <a:gd name="connsiteY23" fmla="*/ 842963 h 1328738"/>
+              <a:gd name="connsiteX24" fmla="*/ 966787 w 2490787"/>
+              <a:gd name="connsiteY24" fmla="*/ 828675 h 1328738"/>
+              <a:gd name="connsiteX25" fmla="*/ 928687 w 2490787"/>
+              <a:gd name="connsiteY25" fmla="*/ 819150 h 1328738"/>
+              <a:gd name="connsiteX26" fmla="*/ 833437 w 2490787"/>
+              <a:gd name="connsiteY26" fmla="*/ 771525 h 1328738"/>
+              <a:gd name="connsiteX27" fmla="*/ 795337 w 2490787"/>
+              <a:gd name="connsiteY27" fmla="*/ 752475 h 1328738"/>
+              <a:gd name="connsiteX28" fmla="*/ 781050 w 2490787"/>
+              <a:gd name="connsiteY28" fmla="*/ 747713 h 1328738"/>
+              <a:gd name="connsiteX29" fmla="*/ 738187 w 2490787"/>
+              <a:gd name="connsiteY29" fmla="*/ 723900 h 1328738"/>
+              <a:gd name="connsiteX30" fmla="*/ 709612 w 2490787"/>
+              <a:gd name="connsiteY30" fmla="*/ 714375 h 1328738"/>
+              <a:gd name="connsiteX31" fmla="*/ 657225 w 2490787"/>
+              <a:gd name="connsiteY31" fmla="*/ 681038 h 1328738"/>
+              <a:gd name="connsiteX32" fmla="*/ 609600 w 2490787"/>
+              <a:gd name="connsiteY32" fmla="*/ 652463 h 1328738"/>
+              <a:gd name="connsiteX33" fmla="*/ 561975 w 2490787"/>
+              <a:gd name="connsiteY33" fmla="*/ 623888 h 1328738"/>
+              <a:gd name="connsiteX34" fmla="*/ 509587 w 2490787"/>
+              <a:gd name="connsiteY34" fmla="*/ 585788 h 1328738"/>
+              <a:gd name="connsiteX35" fmla="*/ 476250 w 2490787"/>
+              <a:gd name="connsiteY35" fmla="*/ 566738 h 1328738"/>
+              <a:gd name="connsiteX36" fmla="*/ 442912 w 2490787"/>
+              <a:gd name="connsiteY36" fmla="*/ 542925 h 1328738"/>
+              <a:gd name="connsiteX37" fmla="*/ 423862 w 2490787"/>
+              <a:gd name="connsiteY37" fmla="*/ 528638 h 1328738"/>
+              <a:gd name="connsiteX38" fmla="*/ 385762 w 2490787"/>
+              <a:gd name="connsiteY38" fmla="*/ 504825 h 1328738"/>
+              <a:gd name="connsiteX39" fmla="*/ 371475 w 2490787"/>
+              <a:gd name="connsiteY39" fmla="*/ 490538 h 1328738"/>
+              <a:gd name="connsiteX40" fmla="*/ 338137 w 2490787"/>
+              <a:gd name="connsiteY40" fmla="*/ 471488 h 1328738"/>
+              <a:gd name="connsiteX41" fmla="*/ 309562 w 2490787"/>
+              <a:gd name="connsiteY41" fmla="*/ 442913 h 1328738"/>
+              <a:gd name="connsiteX42" fmla="*/ 285750 w 2490787"/>
+              <a:gd name="connsiteY42" fmla="*/ 423863 h 1328738"/>
+              <a:gd name="connsiteX43" fmla="*/ 261937 w 2490787"/>
+              <a:gd name="connsiteY43" fmla="*/ 400050 h 1328738"/>
+              <a:gd name="connsiteX44" fmla="*/ 238125 w 2490787"/>
+              <a:gd name="connsiteY44" fmla="*/ 381000 h 1328738"/>
+              <a:gd name="connsiteX45" fmla="*/ 204787 w 2490787"/>
+              <a:gd name="connsiteY45" fmla="*/ 357188 h 1328738"/>
+              <a:gd name="connsiteX46" fmla="*/ 171450 w 2490787"/>
+              <a:gd name="connsiteY46" fmla="*/ 328613 h 1328738"/>
+              <a:gd name="connsiteX47" fmla="*/ 161925 w 2490787"/>
+              <a:gd name="connsiteY47" fmla="*/ 314325 h 1328738"/>
+              <a:gd name="connsiteX48" fmla="*/ 142875 w 2490787"/>
+              <a:gd name="connsiteY48" fmla="*/ 300038 h 1328738"/>
+              <a:gd name="connsiteX49" fmla="*/ 119062 w 2490787"/>
+              <a:gd name="connsiteY49" fmla="*/ 271463 h 1328738"/>
+              <a:gd name="connsiteX50" fmla="*/ 100012 w 2490787"/>
+              <a:gd name="connsiteY50" fmla="*/ 238125 h 1328738"/>
+              <a:gd name="connsiteX51" fmla="*/ 90487 w 2490787"/>
+              <a:gd name="connsiteY51" fmla="*/ 223838 h 1328738"/>
+              <a:gd name="connsiteX52" fmla="*/ 71437 w 2490787"/>
+              <a:gd name="connsiteY52" fmla="*/ 185738 h 1328738"/>
+              <a:gd name="connsiteX53" fmla="*/ 66675 w 2490787"/>
+              <a:gd name="connsiteY53" fmla="*/ 171450 h 1328738"/>
+              <a:gd name="connsiteX54" fmla="*/ 52387 w 2490787"/>
+              <a:gd name="connsiteY54" fmla="*/ 157163 h 1328738"/>
+              <a:gd name="connsiteX55" fmla="*/ 38100 w 2490787"/>
+              <a:gd name="connsiteY55" fmla="*/ 123825 h 1328738"/>
+              <a:gd name="connsiteX56" fmla="*/ 28575 w 2490787"/>
+              <a:gd name="connsiteY56" fmla="*/ 95250 h 1328738"/>
+              <a:gd name="connsiteX57" fmla="*/ 14287 w 2490787"/>
+              <a:gd name="connsiteY57" fmla="*/ 57150 h 1328738"/>
+              <a:gd name="connsiteX58" fmla="*/ 4762 w 2490787"/>
+              <a:gd name="connsiteY58" fmla="*/ 28575 h 1328738"/>
+              <a:gd name="connsiteX59" fmla="*/ 0 w 2490787"/>
+              <a:gd name="connsiteY59" fmla="*/ 14288 h 1328738"/>
+              <a:gd name="connsiteX60" fmla="*/ 0 w 2490787"/>
+              <a:gd name="connsiteY60" fmla="*/ 0 h 1328738"/>
+            </a:gdLst>
+            <a:ahLst/>
+            <a:cxnLst>
+              <a:cxn ang="0">
+                <a:pos x="connsiteX0" y="connsiteY0"/>
+              </a:cxn>
+              <a:cxn ang="0">
+                <a:pos x="connsiteX1" y="connsiteY1"/>
+              </a:cxn>
+              <a:cxn ang="0">
+                <a:pos x="connsiteX2" y="connsiteY2"/>
+              </a:cxn>
+              <a:cxn ang="0">
+                <a:pos x="connsiteX3" y="connsiteY3"/>
+              </a:cxn>
+              <a:cxn ang="0">
+                <a:pos x="connsiteX4" y="connsiteY4"/>
+              </a:cxn>
+              <a:cxn ang="0">
+                <a:pos x="connsiteX5" y="connsiteY5"/>
+              </a:cxn>
+              <a:cxn ang="0">
+                <a:pos x="connsiteX6" y="connsiteY6"/>
+              </a:cxn>
+              <a:cxn ang="0">
+                <a:pos x="connsiteX7" y="connsiteY7"/>
+              </a:cxn>
+              <a:cxn ang="0">
+                <a:pos x="connsiteX8" y="connsiteY8"/>
+              </a:cxn>
+              <a:cxn ang="0">
+                <a:pos x="connsiteX9" y="connsiteY9"/>
+              </a:cxn>
+              <a:cxn ang="0">
+                <a:pos x="connsiteX10" y="connsiteY10"/>
+              </a:cxn>
+              <a:cxn ang="0">
+                <a:pos x="connsiteX11" y="connsiteY11"/>
+              </a:cxn>
+              <a:cxn ang="0">
+                <a:pos x="connsiteX12" y="connsiteY12"/>
+              </a:cxn>
+              <a:cxn ang="0">
+                <a:pos x="connsiteX13" y="connsiteY13"/>
+              </a:cxn>
+              <a:cxn ang="0">
+                <a:pos x="connsiteX14" y="connsiteY14"/>
+              </a:cxn>
+              <a:cxn ang="0">
+                <a:pos x="connsiteX15" y="connsiteY15"/>
+              </a:cxn>
+              <a:cxn ang="0">
+                <a:pos x="connsiteX16" y="connsiteY16"/>
+              </a:cxn>
+              <a:cxn ang="0">
+                <a:pos x="connsiteX17" y="connsiteY17"/>
+              </a:cxn>
+              <a:cxn ang="0">
+                <a:pos x="connsiteX18" y="connsiteY18"/>
+              </a:cxn>
+              <a:cxn ang="0">
+                <a:pos x="connsiteX19" y="connsiteY19"/>
+              </a:cxn>
+              <a:cxn ang="0">
+                <a:pos x="connsiteX20" y="connsiteY20"/>
+              </a:cxn>
+              <a:cxn ang="0">
+                <a:pos x="connsiteX21" y="connsiteY21"/>
+              </a:cxn>
+              <a:cxn ang="0">
+                <a:pos x="connsiteX22" y="connsiteY22"/>
+              </a:cxn>
+              <a:cxn ang="0">
+                <a:pos x="connsiteX23" y="connsiteY23"/>
+              </a:cxn>
+              <a:cxn ang="0">
+                <a:pos x="connsiteX24" y="connsiteY24"/>
+              </a:cxn>
+              <a:cxn ang="0">
+                <a:pos x="connsiteX25" y="connsiteY25"/>
+              </a:cxn>
+              <a:cxn ang="0">
+                <a:pos x="connsiteX26" y="connsiteY26"/>
+              </a:cxn>
+              <a:cxn ang="0">
+                <a:pos x="connsiteX27" y="connsiteY27"/>
+              </a:cxn>
+              <a:cxn ang="0">
+                <a:pos x="connsiteX28" y="connsiteY28"/>
+              </a:cxn>
+              <a:cxn ang="0">
+                <a:pos x="connsiteX29" y="connsiteY29"/>
+              </a:cxn>
+              <a:cxn ang="0">
+                <a:pos x="connsiteX30" y="connsiteY30"/>
+              </a:cxn>
+              <a:cxn ang="0">
+                <a:pos x="connsiteX31" y="connsiteY31"/>
+              </a:cxn>
+              <a:cxn ang="0">
+                <a:pos x="connsiteX32" y="connsiteY32"/>
+              </a:cxn>
+              <a:cxn ang="0">
+                <a:pos x="connsiteX33" y="connsiteY33"/>
+              </a:cxn>
+              <a:cxn ang="0">
+                <a:pos x="connsiteX34" y="connsiteY34"/>
+              </a:cxn>
+              <a:cxn ang="0">
+                <a:pos x="connsiteX35" y="connsiteY35"/>
+              </a:cxn>
+              <a:cxn ang="0">
+                <a:pos x="connsiteX36" y="connsiteY36"/>
+              </a:cxn>
+              <a:cxn ang="0">
+                <a:pos x="connsiteX37" y="connsiteY37"/>
+              </a:cxn>
+              <a:cxn ang="0">
+                <a:pos x="connsiteX38" y="connsiteY38"/>
+              </a:cxn>
+              <a:cxn ang="0">
+                <a:pos x="connsiteX39" y="connsiteY39"/>
+              </a:cxn>
+              <a:cxn ang="0">
+                <a:pos x="connsiteX40" y="connsiteY40"/>
+              </a:cxn>
+              <a:cxn ang="0">
+                <a:pos x="connsiteX41" y="connsiteY41"/>
+              </a:cxn>
+              <a:cxn ang="0">
+                <a:pos x="connsiteX42" y="connsiteY42"/>
+              </a:cxn>
+              <a:cxn ang="0">
+                <a:pos x="connsiteX43" y="connsiteY43"/>
+              </a:cxn>
+              <a:cxn ang="0">
+                <a:pos x="connsiteX44" y="connsiteY44"/>
+              </a:cxn>
+              <a:cxn ang="0">
+                <a:pos x="connsiteX45" y="connsiteY45"/>
+              </a:cxn>
+              <a:cxn ang="0">
+                <a:pos x="connsiteX46" y="connsiteY46"/>
+              </a:cxn>
+              <a:cxn ang="0">
+                <a:pos x="connsiteX47" y="connsiteY47"/>
+              </a:cxn>
+              <a:cxn ang="0">
+                <a:pos x="connsiteX48" y="connsiteY48"/>
+              </a:cxn>
+              <a:cxn ang="0">
+                <a:pos x="connsiteX49" y="connsiteY49"/>
+              </a:cxn>
+              <a:cxn ang="0">
+                <a:pos x="connsiteX50" y="connsiteY50"/>
+              </a:cxn>
+              <a:cxn ang="0">
+                <a:pos x="connsiteX51" y="connsiteY51"/>
+              </a:cxn>
+              <a:cxn ang="0">
+                <a:pos x="connsiteX52" y="connsiteY52"/>
+              </a:cxn>
+              <a:cxn ang="0">
+                <a:pos x="connsiteX53" y="connsiteY53"/>
+              </a:cxn>
+              <a:cxn ang="0">
+                <a:pos x="connsiteX54" y="connsiteY54"/>
+              </a:cxn>
+              <a:cxn ang="0">
+                <a:pos x="connsiteX55" y="connsiteY55"/>
+              </a:cxn>
+              <a:cxn ang="0">
+                <a:pos x="connsiteX56" y="connsiteY56"/>
+              </a:cxn>
+              <a:cxn ang="0">
+                <a:pos x="connsiteX57" y="connsiteY57"/>
+              </a:cxn>
+              <a:cxn ang="0">
+                <a:pos x="connsiteX58" y="connsiteY58"/>
+              </a:cxn>
+              <a:cxn ang="0">
+                <a:pos x="connsiteX59" y="connsiteY59"/>
+              </a:cxn>
+              <a:cxn ang="0">
+                <a:pos x="connsiteX60" y="connsiteY60"/>
+              </a:cxn>
+            </a:cxnLst>
+            <a:rect l="l" t="t" r="r" b="b"/>
+            <a:pathLst>
+              <a:path w="2490787" h="1328738">
+                <a:moveTo>
+                  <a:pt x="2490787" y="1328738"/>
+                </a:moveTo>
+                <a:cubicBezTo>
+                  <a:pt x="2487612" y="1316038"/>
+                  <a:pt x="2488200" y="1301739"/>
+                  <a:pt x="2481262" y="1290638"/>
+                </a:cubicBezTo>
+                <a:cubicBezTo>
+                  <a:pt x="2476506" y="1283029"/>
+                  <a:pt x="2430061" y="1241221"/>
+                  <a:pt x="2419350" y="1228725"/>
+                </a:cubicBezTo>
+                <a:cubicBezTo>
+                  <a:pt x="2409825" y="1217613"/>
+                  <a:pt x="2401362" y="1205494"/>
+                  <a:pt x="2390775" y="1195388"/>
+                </a:cubicBezTo>
+                <a:cubicBezTo>
+                  <a:pt x="2353089" y="1159415"/>
+                  <a:pt x="2316487" y="1126061"/>
+                  <a:pt x="2271712" y="1100138"/>
+                </a:cubicBezTo>
+                <a:cubicBezTo>
+                  <a:pt x="2202069" y="1059818"/>
+                  <a:pt x="2248178" y="1090229"/>
+                  <a:pt x="2181225" y="1062038"/>
+                </a:cubicBezTo>
+                <a:cubicBezTo>
+                  <a:pt x="2164867" y="1055150"/>
+                  <a:pt x="2150079" y="1044817"/>
+                  <a:pt x="2133600" y="1038225"/>
+                </a:cubicBezTo>
+                <a:cubicBezTo>
+                  <a:pt x="2092003" y="1021586"/>
+                  <a:pt x="2084451" y="1025896"/>
+                  <a:pt x="2043112" y="1014413"/>
+                </a:cubicBezTo>
+                <a:cubicBezTo>
+                  <a:pt x="2028601" y="1010382"/>
+                  <a:pt x="2014698" y="1004375"/>
+                  <a:pt x="2000250" y="1000125"/>
+                </a:cubicBezTo>
+                <a:cubicBezTo>
+                  <a:pt x="1962912" y="989143"/>
+                  <a:pt x="1962255" y="990613"/>
+                  <a:pt x="1924050" y="985838"/>
+                </a:cubicBezTo>
+                <a:cubicBezTo>
+                  <a:pt x="1851381" y="965076"/>
+                  <a:pt x="1922880" y="983312"/>
+                  <a:pt x="1790700" y="966788"/>
+                </a:cubicBezTo>
+                <a:cubicBezTo>
+                  <a:pt x="1778000" y="965200"/>
+                  <a:pt x="1765225" y="964129"/>
+                  <a:pt x="1752600" y="962025"/>
+                </a:cubicBezTo>
+                <a:cubicBezTo>
+                  <a:pt x="1736631" y="959363"/>
+                  <a:pt x="1720985" y="954901"/>
+                  <a:pt x="1704975" y="952500"/>
+                </a:cubicBezTo>
+                <a:cubicBezTo>
+                  <a:pt x="1689197" y="950133"/>
+                  <a:pt x="1673225" y="949325"/>
+                  <a:pt x="1657350" y="947738"/>
+                </a:cubicBezTo>
+                <a:cubicBezTo>
+                  <a:pt x="1581603" y="930257"/>
+                  <a:pt x="1586228" y="929481"/>
+                  <a:pt x="1495425" y="919163"/>
+                </a:cubicBezTo>
+                <a:cubicBezTo>
+                  <a:pt x="1459009" y="915025"/>
+                  <a:pt x="1385887" y="909638"/>
+                  <a:pt x="1385887" y="909638"/>
+                </a:cubicBezTo>
+                <a:cubicBezTo>
+                  <a:pt x="1371600" y="906463"/>
+                  <a:pt x="1357482" y="902396"/>
+                  <a:pt x="1343025" y="900113"/>
+                </a:cubicBezTo>
+                <a:cubicBezTo>
+                  <a:pt x="1327266" y="897625"/>
+                  <a:pt x="1311257" y="897112"/>
+                  <a:pt x="1295400" y="895350"/>
+                </a:cubicBezTo>
+                <a:cubicBezTo>
+                  <a:pt x="1174055" y="881867"/>
+                  <a:pt x="1354069" y="900266"/>
+                  <a:pt x="1209675" y="885825"/>
+                </a:cubicBezTo>
+                <a:cubicBezTo>
+                  <a:pt x="1198562" y="882650"/>
+                  <a:pt x="1187670" y="878566"/>
+                  <a:pt x="1176337" y="876300"/>
+                </a:cubicBezTo>
+                <a:cubicBezTo>
+                  <a:pt x="1163787" y="873790"/>
+                  <a:pt x="1150924" y="873230"/>
+                  <a:pt x="1138237" y="871538"/>
+                </a:cubicBezTo>
+                <a:cubicBezTo>
+                  <a:pt x="1129870" y="870422"/>
+                  <a:pt x="1086269" y="864308"/>
+                  <a:pt x="1076325" y="862013"/>
+                </a:cubicBezTo>
+                <a:cubicBezTo>
+                  <a:pt x="1065064" y="859414"/>
+                  <a:pt x="1054199" y="855291"/>
+                  <a:pt x="1042987" y="852488"/>
+                </a:cubicBezTo>
+                <a:cubicBezTo>
+                  <a:pt x="1028788" y="848938"/>
+                  <a:pt x="1014095" y="847329"/>
+                  <a:pt x="1000125" y="842963"/>
+                </a:cubicBezTo>
+                <a:cubicBezTo>
+                  <a:pt x="988585" y="839357"/>
+                  <a:pt x="978257" y="832498"/>
+                  <a:pt x="966787" y="828675"/>
+                </a:cubicBezTo>
+                <a:cubicBezTo>
+                  <a:pt x="954368" y="824535"/>
+                  <a:pt x="941387" y="822325"/>
+                  <a:pt x="928687" y="819150"/>
+                </a:cubicBezTo>
+                <a:cubicBezTo>
+                  <a:pt x="852530" y="764752"/>
+                  <a:pt x="948296" y="828954"/>
+                  <a:pt x="833437" y="771525"/>
+                </a:cubicBezTo>
+                <a:cubicBezTo>
+                  <a:pt x="820737" y="765175"/>
+                  <a:pt x="808263" y="758351"/>
+                  <a:pt x="795337" y="752475"/>
+                </a:cubicBezTo>
+                <a:cubicBezTo>
+                  <a:pt x="790767" y="750398"/>
+                  <a:pt x="785540" y="749958"/>
+                  <a:pt x="781050" y="747713"/>
+                </a:cubicBezTo>
+                <a:cubicBezTo>
+                  <a:pt x="756880" y="735628"/>
+                  <a:pt x="761121" y="733074"/>
+                  <a:pt x="738187" y="723900"/>
+                </a:cubicBezTo>
+                <a:cubicBezTo>
+                  <a:pt x="728865" y="720171"/>
+                  <a:pt x="718752" y="718530"/>
+                  <a:pt x="709612" y="714375"/>
+                </a:cubicBezTo>
+                <a:cubicBezTo>
+                  <a:pt x="696166" y="708263"/>
+                  <a:pt x="668542" y="687828"/>
+                  <a:pt x="657225" y="681038"/>
+                </a:cubicBezTo>
+                <a:cubicBezTo>
+                  <a:pt x="641350" y="671513"/>
+                  <a:pt x="626159" y="660742"/>
+                  <a:pt x="609600" y="652463"/>
+                </a:cubicBezTo>
+                <a:cubicBezTo>
+                  <a:pt x="584384" y="639855"/>
+                  <a:pt x="589890" y="643592"/>
+                  <a:pt x="561975" y="623888"/>
+                </a:cubicBezTo>
+                <a:cubicBezTo>
+                  <a:pt x="544335" y="611436"/>
+                  <a:pt x="526999" y="598557"/>
+                  <a:pt x="509587" y="585788"/>
+                </a:cubicBezTo>
+                <a:cubicBezTo>
+                  <a:pt x="485559" y="568167"/>
+                  <a:pt x="498676" y="574213"/>
+                  <a:pt x="476250" y="566738"/>
+                </a:cubicBezTo>
+                <a:cubicBezTo>
+                  <a:pt x="458771" y="540519"/>
+                  <a:pt x="476836" y="561771"/>
+                  <a:pt x="442912" y="542925"/>
+                </a:cubicBezTo>
+                <a:cubicBezTo>
+                  <a:pt x="435973" y="539070"/>
+                  <a:pt x="430593" y="532845"/>
+                  <a:pt x="423862" y="528638"/>
+                </a:cubicBezTo>
+                <a:cubicBezTo>
+                  <a:pt x="393841" y="509875"/>
+                  <a:pt x="414820" y="529732"/>
+                  <a:pt x="385762" y="504825"/>
+                </a:cubicBezTo>
+                <a:cubicBezTo>
+                  <a:pt x="380648" y="500442"/>
+                  <a:pt x="376993" y="494400"/>
+                  <a:pt x="371475" y="490538"/>
+                </a:cubicBezTo>
+                <a:cubicBezTo>
+                  <a:pt x="360990" y="483198"/>
+                  <a:pt x="348282" y="479292"/>
+                  <a:pt x="338137" y="471488"/>
+                </a:cubicBezTo>
+                <a:cubicBezTo>
+                  <a:pt x="327460" y="463275"/>
+                  <a:pt x="319529" y="451974"/>
+                  <a:pt x="309562" y="442913"/>
+                </a:cubicBezTo>
+                <a:cubicBezTo>
+                  <a:pt x="302041" y="436075"/>
+                  <a:pt x="293305" y="430663"/>
+                  <a:pt x="285750" y="423863"/>
+                </a:cubicBezTo>
+                <a:cubicBezTo>
+                  <a:pt x="277406" y="416353"/>
+                  <a:pt x="270281" y="407560"/>
+                  <a:pt x="261937" y="400050"/>
+                </a:cubicBezTo>
+                <a:cubicBezTo>
+                  <a:pt x="254382" y="393250"/>
+                  <a:pt x="245722" y="387753"/>
+                  <a:pt x="238125" y="381000"/>
+                </a:cubicBezTo>
+                <a:cubicBezTo>
+                  <a:pt x="211006" y="356894"/>
+                  <a:pt x="230121" y="365631"/>
+                  <a:pt x="204787" y="357188"/>
+                </a:cubicBezTo>
+                <a:cubicBezTo>
+                  <a:pt x="166750" y="306470"/>
+                  <a:pt x="215032" y="364932"/>
+                  <a:pt x="171450" y="328613"/>
+                </a:cubicBezTo>
+                <a:cubicBezTo>
+                  <a:pt x="167053" y="324949"/>
+                  <a:pt x="165972" y="318372"/>
+                  <a:pt x="161925" y="314325"/>
+                </a:cubicBezTo>
+                <a:cubicBezTo>
+                  <a:pt x="156312" y="308712"/>
+                  <a:pt x="149225" y="304800"/>
+                  <a:pt x="142875" y="300038"/>
+                </a:cubicBezTo>
+                <a:cubicBezTo>
+                  <a:pt x="119226" y="264563"/>
+                  <a:pt x="149621" y="308133"/>
+                  <a:pt x="119062" y="271463"/>
+                </a:cubicBezTo>
+                <a:cubicBezTo>
+                  <a:pt x="108515" y="258807"/>
+                  <a:pt x="108480" y="252944"/>
+                  <a:pt x="100012" y="238125"/>
+                </a:cubicBezTo>
+                <a:cubicBezTo>
+                  <a:pt x="97172" y="233155"/>
+                  <a:pt x="93228" y="228863"/>
+                  <a:pt x="90487" y="223838"/>
+                </a:cubicBezTo>
+                <a:cubicBezTo>
+                  <a:pt x="83688" y="211373"/>
+                  <a:pt x="75927" y="199209"/>
+                  <a:pt x="71437" y="185738"/>
+                </a:cubicBezTo>
+                <a:cubicBezTo>
+                  <a:pt x="69850" y="180975"/>
+                  <a:pt x="69460" y="175627"/>
+                  <a:pt x="66675" y="171450"/>
+                </a:cubicBezTo>
+                <a:cubicBezTo>
+                  <a:pt x="62939" y="165846"/>
+                  <a:pt x="57150" y="161925"/>
+                  <a:pt x="52387" y="157163"/>
+                </a:cubicBezTo>
+                <a:cubicBezTo>
+                  <a:pt x="39791" y="106775"/>
+                  <a:pt x="56892" y="166108"/>
+                  <a:pt x="38100" y="123825"/>
+                </a:cubicBezTo>
+                <a:cubicBezTo>
+                  <a:pt x="34022" y="114650"/>
+                  <a:pt x="32304" y="104572"/>
+                  <a:pt x="28575" y="95250"/>
+                </a:cubicBezTo>
+                <a:cubicBezTo>
+                  <a:pt x="3025" y="31375"/>
+                  <a:pt x="32848" y="119017"/>
+                  <a:pt x="14287" y="57150"/>
+                </a:cubicBezTo>
+                <a:cubicBezTo>
+                  <a:pt x="11402" y="47533"/>
+                  <a:pt x="7937" y="38100"/>
+                  <a:pt x="4762" y="28575"/>
+                </a:cubicBezTo>
+                <a:cubicBezTo>
+                  <a:pt x="3175" y="23813"/>
+                  <a:pt x="0" y="19308"/>
+                  <a:pt x="0" y="14288"/>
+                </a:cubicBezTo>
+                <a:lnTo>
+                  <a:pt x="0" y="0"/>
+                </a:lnTo>
+              </a:path>
+            </a:pathLst>
+          </a:custGeom>
+          <a:ln>
+            <a:tailEnd type="triangle"/>
+          </a:ln>
+        </p:spPr>
+        <p:style>
+          <a:lnRef idx="1">
+            <a:schemeClr val="accent1"/>
+          </a:lnRef>
+          <a:fillRef idx="0">
+            <a:schemeClr val="accent1"/>
+          </a:fillRef>
+          <a:effectRef idx="0">
+            <a:schemeClr val="accent1"/>
+          </a:effectRef>
+          <a:fontRef idx="minor">
+            <a:schemeClr val="tx1"/>
+          </a:fontRef>
+        </p:style>
+        <p:txBody>
+          <a:bodyPr rtlCol="0" anchor="ctr"/>
+          <a:lstStyle/>
+          <a:p>
+            <a:pPr algn="ctr"/>
+            <a:endParaRPr lang="ko-KR" altLang="en-US"/>
+          </a:p>
+        </p:txBody>
+      </p:sp>
+      <p:cxnSp>
+        <p:nvCxnSpPr>
+          <p:cNvPr id="13" name="직선 화살표 연결선 12"/>
+          <p:cNvCxnSpPr/>
+          <p:nvPr/>
+        </p:nvCxnSpPr>
+        <p:spPr>
+          <a:xfrm rot="10800000" flipV="1">
+            <a:off x="3428992" y="5357826"/>
+            <a:ext cx="2357454" cy="357190"/>
+          </a:xfrm>
+          <a:prstGeom prst="straightConnector1">
+            <a:avLst/>
+          </a:prstGeom>
+          <a:ln>
+            <a:tailEnd type="arrow"/>
+          </a:ln>
+        </p:spPr>
+        <p:style>
+          <a:lnRef idx="1">
+            <a:schemeClr val="accent1"/>
+          </a:lnRef>
+          <a:fillRef idx="0">
+            <a:schemeClr val="accent1"/>
+          </a:fillRef>
+          <a:effectRef idx="0">
+            <a:schemeClr val="accent1"/>
+          </a:effectRef>
+          <a:fontRef idx="minor">
+            <a:schemeClr val="tx1"/>
+          </a:fontRef>
+        </p:style>
+      </p:cxnSp>
+      <p:sp>
+        <p:nvSpPr>
+          <p:cNvPr id="14" name="TextBox 13"/>
+          <p:cNvSpPr txBox="1"/>
+          <p:nvPr/>
+        </p:nvSpPr>
+        <p:spPr>
+          <a:xfrm>
+            <a:off x="5857884" y="5214950"/>
+            <a:ext cx="800219" cy="276999"/>
+          </a:xfrm>
+          <a:prstGeom prst="rect">
+            <a:avLst/>
+          </a:prstGeom>
+          <a:noFill/>
+        </p:spPr>
+        <p:txBody>
+          <a:bodyPr wrap="none" rtlCol="0">
+            <a:spAutoFit/>
+          </a:bodyPr>
+          <a:lstStyle/>
+          <a:p>
+            <a:r>
+              <a:rPr lang="ko-KR" altLang="en-US" sz="1200" dirty="0" smtClean="0"/>
+              <a:t>다운로드</a:t>
+            </a:r>
+            <a:endParaRPr lang="ko-KR" altLang="en-US" sz="1200" dirty="0"/>
+          </a:p>
+        </p:txBody>
+      </p:sp>
     </p:spTree>
   </p:cSld>
   <p:clrMapOvr>
@@ -9248,7 +10490,7 @@
         <p:spPr>
           <a:xfrm>
             <a:off x="214282" y="214290"/>
-            <a:ext cx="4046301" cy="1569660"/>
+            <a:ext cx="4190571" cy="1569660"/>
           </a:xfrm>
           <a:prstGeom prst="rect">
             <a:avLst/>
@@ -9341,8 +10583,8 @@
               <a:t>압축파일명  </a:t>
             </a:r>
             <a:r>
-              <a:rPr lang="ko-KR" altLang="en-US" sz="1600" dirty="0" err="1" smtClean="0"/>
-              <a:t>압축이풀려질위치</a:t>
+              <a:rPr lang="ko-KR" altLang="en-US" sz="1600" dirty="0" smtClean="0"/>
+              <a:t>압축이 풀려질 위치</a:t>
             </a:r>
             <a:endParaRPr lang="ko-KR" altLang="en-US" sz="1600" dirty="0"/>
           </a:p>
